--- a/app/assets/images/Images.pptx
+++ b/app/assets/images/Images.pptx
@@ -104,6 +104,22 @@
       </a:defRPr>
     </a:lvl9pPr>
   </p:defaultTextStyle>
+  <p:extLst>
+    <p:ext uri="{EFAFB233-063F-42B5-8137-9DF3F51BA10A}">
+      <p15:sldGuideLst xmlns:p15="http://schemas.microsoft.com/office/powerpoint/2012/main">
+        <p15:guide id="1" orient="horz" pos="2160">
+          <p15:clr>
+            <a:srgbClr val="A4A3A4"/>
+          </p15:clr>
+        </p15:guide>
+        <p15:guide id="2" pos="2880">
+          <p15:clr>
+            <a:srgbClr val="A4A3A4"/>
+          </p15:clr>
+        </p15:guide>
+      </p15:sldGuideLst>
+    </p:ext>
+  </p:extLst>
 </p:presentation>
 </file>
 
@@ -289,7 +305,7 @@
             <a:fld id="{7A50D6CD-E930-4C56-BDC0-BACD2B9AF157}" type="datetimeFigureOut">
               <a:rPr lang="en-US" smtClean="0"/>
               <a:pPr/>
-              <a:t>8/9/2013</a:t>
+              <a:t>9/27/2013</a:t>
             </a:fld>
             <a:endParaRPr lang="en-US"/>
           </a:p>
@@ -456,7 +472,7 @@
             <a:fld id="{7A50D6CD-E930-4C56-BDC0-BACD2B9AF157}" type="datetimeFigureOut">
               <a:rPr lang="en-US" smtClean="0"/>
               <a:pPr/>
-              <a:t>8/9/2013</a:t>
+              <a:t>9/27/2013</a:t>
             </a:fld>
             <a:endParaRPr lang="en-US"/>
           </a:p>
@@ -633,7 +649,7 @@
             <a:fld id="{7A50D6CD-E930-4C56-BDC0-BACD2B9AF157}" type="datetimeFigureOut">
               <a:rPr lang="en-US" smtClean="0"/>
               <a:pPr/>
-              <a:t>8/9/2013</a:t>
+              <a:t>9/27/2013</a:t>
             </a:fld>
             <a:endParaRPr lang="en-US"/>
           </a:p>
@@ -800,7 +816,7 @@
             <a:fld id="{7A50D6CD-E930-4C56-BDC0-BACD2B9AF157}" type="datetimeFigureOut">
               <a:rPr lang="en-US" smtClean="0"/>
               <a:pPr/>
-              <a:t>8/9/2013</a:t>
+              <a:t>9/27/2013</a:t>
             </a:fld>
             <a:endParaRPr lang="en-US"/>
           </a:p>
@@ -1043,7 +1059,7 @@
             <a:fld id="{7A50D6CD-E930-4C56-BDC0-BACD2B9AF157}" type="datetimeFigureOut">
               <a:rPr lang="en-US" smtClean="0"/>
               <a:pPr/>
-              <a:t>8/9/2013</a:t>
+              <a:t>9/27/2013</a:t>
             </a:fld>
             <a:endParaRPr lang="en-US"/>
           </a:p>
@@ -1328,7 +1344,7 @@
             <a:fld id="{7A50D6CD-E930-4C56-BDC0-BACD2B9AF157}" type="datetimeFigureOut">
               <a:rPr lang="en-US" smtClean="0"/>
               <a:pPr/>
-              <a:t>8/9/2013</a:t>
+              <a:t>9/27/2013</a:t>
             </a:fld>
             <a:endParaRPr lang="en-US"/>
           </a:p>
@@ -1747,7 +1763,7 @@
             <a:fld id="{7A50D6CD-E930-4C56-BDC0-BACD2B9AF157}" type="datetimeFigureOut">
               <a:rPr lang="en-US" smtClean="0"/>
               <a:pPr/>
-              <a:t>8/9/2013</a:t>
+              <a:t>9/27/2013</a:t>
             </a:fld>
             <a:endParaRPr lang="en-US"/>
           </a:p>
@@ -1862,7 +1878,7 @@
             <a:fld id="{7A50D6CD-E930-4C56-BDC0-BACD2B9AF157}" type="datetimeFigureOut">
               <a:rPr lang="en-US" smtClean="0"/>
               <a:pPr/>
-              <a:t>8/9/2013</a:t>
+              <a:t>9/27/2013</a:t>
             </a:fld>
             <a:endParaRPr lang="en-US"/>
           </a:p>
@@ -1954,7 +1970,7 @@
             <a:fld id="{7A50D6CD-E930-4C56-BDC0-BACD2B9AF157}" type="datetimeFigureOut">
               <a:rPr lang="en-US" smtClean="0"/>
               <a:pPr/>
-              <a:t>8/9/2013</a:t>
+              <a:t>9/27/2013</a:t>
             </a:fld>
             <a:endParaRPr lang="en-US"/>
           </a:p>
@@ -2228,7 +2244,7 @@
             <a:fld id="{7A50D6CD-E930-4C56-BDC0-BACD2B9AF157}" type="datetimeFigureOut">
               <a:rPr lang="en-US" smtClean="0"/>
               <a:pPr/>
-              <a:t>8/9/2013</a:t>
+              <a:t>9/27/2013</a:t>
             </a:fld>
             <a:endParaRPr lang="en-US"/>
           </a:p>
@@ -2478,7 +2494,7 @@
             <a:fld id="{7A50D6CD-E930-4C56-BDC0-BACD2B9AF157}" type="datetimeFigureOut">
               <a:rPr lang="en-US" smtClean="0"/>
               <a:pPr/>
-              <a:t>8/9/2013</a:t>
+              <a:t>9/27/2013</a:t>
             </a:fld>
             <a:endParaRPr lang="en-US"/>
           </a:p>
@@ -2688,7 +2704,7 @@
             <a:fld id="{7A50D6CD-E930-4C56-BDC0-BACD2B9AF157}" type="datetimeFigureOut">
               <a:rPr lang="en-US" smtClean="0"/>
               <a:pPr/>
-              <a:t>8/9/2013</a:t>
+              <a:t>9/27/2013</a:t>
             </a:fld>
             <a:endParaRPr lang="en-US"/>
           </a:p>
@@ -3308,6 +3324,51 @@
             <a:r>
               <a:rPr lang="en-US" dirty="0" smtClean="0"/>
               <a:t>P2</a:t>
+            </a:r>
+            <a:endParaRPr lang="en-US" dirty="0"/>
+          </a:p>
+        </p:txBody>
+      </p:sp>
+      <p:sp>
+        <p:nvSpPr>
+          <p:cNvPr id="10" name="Oval 9"/>
+          <p:cNvSpPr/>
+          <p:nvPr/>
+        </p:nvSpPr>
+        <p:spPr>
+          <a:xfrm>
+            <a:off x="7086600" y="3810000"/>
+            <a:ext cx="914400" cy="914400"/>
+          </a:xfrm>
+          <a:prstGeom prst="ellipse">
+            <a:avLst/>
+          </a:prstGeom>
+          <a:ln w="76200"/>
+        </p:spPr>
+        <p:style>
+          <a:lnRef idx="2">
+            <a:schemeClr val="accent4">
+              <a:shade val="50000"/>
+            </a:schemeClr>
+          </a:lnRef>
+          <a:fillRef idx="1">
+            <a:schemeClr val="accent4"/>
+          </a:fillRef>
+          <a:effectRef idx="0">
+            <a:schemeClr val="accent4"/>
+          </a:effectRef>
+          <a:fontRef idx="minor">
+            <a:schemeClr val="lt1"/>
+          </a:fontRef>
+        </p:style>
+        <p:txBody>
+          <a:bodyPr rtlCol="0" anchor="ctr"/>
+          <a:lstStyle/>
+          <a:p>
+            <a:pPr algn="ctr"/>
+            <a:r>
+              <a:rPr lang="en-US" dirty="0" smtClean="0"/>
+              <a:t>Opp</a:t>
             </a:r>
             <a:endParaRPr lang="en-US" dirty="0"/>
           </a:p>
